--- a/Lecture 27.pptx
+++ b/Lecture 27.pptx
@@ -5,7 +5,7 @@
     <p:sldMasterId id="2147483648" r:id="rId1"/>
   </p:sldMasterIdLst>
   <p:notesMasterIdLst>
-    <p:notesMasterId r:id="rId20"/>
+    <p:notesMasterId r:id="rId19"/>
   </p:notesMasterIdLst>
   <p:sldIdLst>
     <p:sldId id="469" r:id="rId2"/>
@@ -25,7 +25,6 @@
     <p:sldId id="509" r:id="rId16"/>
     <p:sldId id="510" r:id="rId17"/>
     <p:sldId id="511" r:id="rId18"/>
-    <p:sldId id="516" r:id="rId19"/>
   </p:sldIdLst>
   <p:sldSz cx="9144000" cy="6858000" type="screen4x3"/>
   <p:notesSz cx="6858000" cy="9144000"/>
@@ -225,7 +224,7 @@
           <a:p>
             <a:fld id="{296DB3A3-BEBB-46B6-9B07-D466DD6BDE78}" type="datetimeFigureOut">
               <a:rPr lang="en-US" smtClean="0"/>
-              <a:t>5/31/2024</a:t>
+              <a:t>6/5/2024</a:t>
             </a:fld>
             <a:endParaRPr lang="en-US"/>
           </a:p>
@@ -673,7 +672,7 @@
           <a:p>
             <a:fld id="{4BA61B16-37B5-4351-BAD5-BBF844435BAE}" type="datetime1">
               <a:rPr lang="en-US" smtClean="0"/>
-              <a:t>5/31/2024</a:t>
+              <a:t>6/5/2024</a:t>
             </a:fld>
             <a:endParaRPr lang="en-IN"/>
           </a:p>
@@ -843,7 +842,7 @@
           <a:p>
             <a:fld id="{8E100FD5-86C6-485F-803A-A299297FB22E}" type="datetime1">
               <a:rPr lang="en-US" smtClean="0"/>
-              <a:t>5/31/2024</a:t>
+              <a:t>6/5/2024</a:t>
             </a:fld>
             <a:endParaRPr lang="en-IN"/>
           </a:p>
@@ -1023,7 +1022,7 @@
           <a:p>
             <a:fld id="{89334C96-BCB9-453B-BE08-7EFAA7BAC2B9}" type="datetime1">
               <a:rPr lang="en-US" smtClean="0"/>
-              <a:t>5/31/2024</a:t>
+              <a:t>6/5/2024</a:t>
             </a:fld>
             <a:endParaRPr lang="en-IN"/>
           </a:p>
@@ -1193,7 +1192,7 @@
           <a:p>
             <a:fld id="{C867DA6E-8941-4F95-8FE7-288BDA956267}" type="datetime1">
               <a:rPr lang="en-US" smtClean="0"/>
-              <a:t>5/31/2024</a:t>
+              <a:t>6/5/2024</a:t>
             </a:fld>
             <a:endParaRPr lang="en-IN"/>
           </a:p>
@@ -1439,7 +1438,7 @@
           <a:p>
             <a:fld id="{5DA1BC97-A477-40EB-B448-98CD9ACF11AB}" type="datetime1">
               <a:rPr lang="en-US" smtClean="0"/>
-              <a:t>5/31/2024</a:t>
+              <a:t>6/5/2024</a:t>
             </a:fld>
             <a:endParaRPr lang="en-IN"/>
           </a:p>
@@ -1727,7 +1726,7 @@
           <a:p>
             <a:fld id="{7FBB0CF3-9FF8-47C2-88C7-467EA9854E64}" type="datetime1">
               <a:rPr lang="en-US" smtClean="0"/>
-              <a:t>5/31/2024</a:t>
+              <a:t>6/5/2024</a:t>
             </a:fld>
             <a:endParaRPr lang="en-IN"/>
           </a:p>
@@ -2149,7 +2148,7 @@
           <a:p>
             <a:fld id="{7F5A84D9-27F0-4063-8E2F-43C407CB0CBA}" type="datetime1">
               <a:rPr lang="en-US" smtClean="0"/>
-              <a:t>5/31/2024</a:t>
+              <a:t>6/5/2024</a:t>
             </a:fld>
             <a:endParaRPr lang="en-IN"/>
           </a:p>
@@ -2267,7 +2266,7 @@
           <a:p>
             <a:fld id="{07A1B1CD-E166-4820-9ACC-C9479FE309BE}" type="datetime1">
               <a:rPr lang="en-US" smtClean="0"/>
-              <a:t>5/31/2024</a:t>
+              <a:t>6/5/2024</a:t>
             </a:fld>
             <a:endParaRPr lang="en-IN"/>
           </a:p>
@@ -2362,7 +2361,7 @@
           <a:p>
             <a:fld id="{B735069B-088E-46AE-8F71-0EF81679F9BC}" type="datetime1">
               <a:rPr lang="en-US" smtClean="0"/>
-              <a:t>5/31/2024</a:t>
+              <a:t>6/5/2024</a:t>
             </a:fld>
             <a:endParaRPr lang="en-IN"/>
           </a:p>
@@ -2639,7 +2638,7 @@
           <a:p>
             <a:fld id="{BEF959C3-6D9B-4D3D-8A5F-C5093CF5628A}" type="datetime1">
               <a:rPr lang="en-US" smtClean="0"/>
-              <a:t>5/31/2024</a:t>
+              <a:t>6/5/2024</a:t>
             </a:fld>
             <a:endParaRPr lang="en-IN"/>
           </a:p>
@@ -2892,7 +2891,7 @@
           <a:p>
             <a:fld id="{05EFCAD9-EB91-469A-BF8F-E527E7FECA47}" type="datetime1">
               <a:rPr lang="en-US" smtClean="0"/>
-              <a:t>5/31/2024</a:t>
+              <a:t>6/5/2024</a:t>
             </a:fld>
             <a:endParaRPr lang="en-IN"/>
           </a:p>
@@ -3105,7 +3104,7 @@
           <a:p>
             <a:fld id="{BC6E0374-3565-40EF-B365-25D60598141E}" type="datetime1">
               <a:rPr lang="en-US" smtClean="0"/>
-              <a:t>5/31/2024</a:t>
+              <a:t>6/5/2024</a:t>
             </a:fld>
             <a:endParaRPr lang="en-IN"/>
           </a:p>
@@ -5350,127 +5349,6 @@
     <p:extLst>
       <p:ext uri="{BB962C8B-B14F-4D97-AF65-F5344CB8AC3E}">
         <p14:creationId xmlns:p14="http://schemas.microsoft.com/office/powerpoint/2010/main" val="1929323702"/>
-      </p:ext>
-    </p:extLst>
-  </p:cSld>
-  <p:clrMapOvr>
-    <a:masterClrMapping/>
-  </p:clrMapOvr>
-</p:sld>
-</file>
-
-<file path=ppt/slides/slide18.xml><?xml version="1.0" encoding="utf-8"?>
-<p:sld xmlns:a="http://schemas.openxmlformats.org/drawingml/2006/main" xmlns:r="http://schemas.openxmlformats.org/officeDocument/2006/relationships" xmlns:p="http://schemas.openxmlformats.org/presentationml/2006/main">
-  <p:cSld>
-    <p:spTree>
-      <p:nvGrpSpPr>
-        <p:cNvPr id="1" name=""/>
-        <p:cNvGrpSpPr/>
-        <p:nvPr/>
-      </p:nvGrpSpPr>
-      <p:grpSpPr>
-        <a:xfrm>
-          <a:off x="0" y="0"/>
-          <a:ext cx="0" cy="0"/>
-          <a:chOff x="0" y="0"/>
-          <a:chExt cx="0" cy="0"/>
-        </a:xfrm>
-      </p:grpSpPr>
-      <p:sp>
-        <p:nvSpPr>
-          <p:cNvPr id="2" name="Title 1"/>
-          <p:cNvSpPr>
-            <a:spLocks noGrp="1"/>
-          </p:cNvSpPr>
-          <p:nvPr>
-            <p:ph type="title"/>
-          </p:nvPr>
-        </p:nvSpPr>
-        <p:spPr>
-          <a:xfrm>
-            <a:off x="457200" y="274638"/>
-            <a:ext cx="8435280" cy="706090"/>
-          </a:xfrm>
-        </p:spPr>
-        <p:txBody>
-          <a:bodyPr>
-            <a:noAutofit/>
-          </a:bodyPr>
-          <a:lstStyle/>
-          <a:p>
-            <a:endParaRPr lang="en-US" b="1" dirty="0">
-              <a:solidFill>
-                <a:srgbClr val="C00000"/>
-              </a:solidFill>
-            </a:endParaRPr>
-          </a:p>
-        </p:txBody>
-      </p:sp>
-      <p:sp>
-        <p:nvSpPr>
-          <p:cNvPr id="3" name="Content Placeholder 2"/>
-          <p:cNvSpPr>
-            <a:spLocks noGrp="1"/>
-          </p:cNvSpPr>
-          <p:nvPr>
-            <p:ph idx="1"/>
-          </p:nvPr>
-        </p:nvSpPr>
-        <p:spPr>
-          <a:xfrm>
-            <a:off x="457200" y="1052736"/>
-            <a:ext cx="8435280" cy="5688632"/>
-          </a:xfrm>
-        </p:spPr>
-        <p:txBody>
-          <a:bodyPr>
-            <a:noAutofit/>
-          </a:bodyPr>
-          <a:lstStyle/>
-          <a:p>
-            <a:pPr marL="0" indent="0" algn="just">
-              <a:buNone/>
-            </a:pPr>
-            <a:endParaRPr lang="en-US" sz="2800" dirty="0">
-              <a:latin typeface="Arial" panose="020B0604020202020204" pitchFamily="34" charset="0"/>
-              <a:cs typeface="Arial" panose="020B0604020202020204" pitchFamily="34" charset="0"/>
-            </a:endParaRPr>
-          </a:p>
-        </p:txBody>
-      </p:sp>
-      <p:sp>
-        <p:nvSpPr>
-          <p:cNvPr id="4" name="Footer Placeholder 3">
-            <a:extLst>
-              <a:ext uri="{FF2B5EF4-FFF2-40B4-BE49-F238E27FC236}">
-                <a16:creationId xmlns:a16="http://schemas.microsoft.com/office/drawing/2014/main" id="{3E0667E6-7BCD-45C0-9E90-DB4DBDE450AE}"/>
-              </a:ext>
-            </a:extLst>
-          </p:cNvPr>
-          <p:cNvSpPr>
-            <a:spLocks noGrp="1"/>
-          </p:cNvSpPr>
-          <p:nvPr>
-            <p:ph type="ftr" sz="quarter" idx="11"/>
-          </p:nvPr>
-        </p:nvSpPr>
-        <p:spPr/>
-        <p:txBody>
-          <a:bodyPr/>
-          <a:lstStyle/>
-          <a:p>
-            <a:r>
-              <a:rPr lang="en-US"/>
-              <a:t>Department of Computer Science ,ABES Engineering College</a:t>
-            </a:r>
-            <a:endParaRPr lang="en-IN"/>
-          </a:p>
-        </p:txBody>
-      </p:sp>
-    </p:spTree>
-    <p:extLst>
-      <p:ext uri="{BB962C8B-B14F-4D97-AF65-F5344CB8AC3E}">
-        <p14:creationId xmlns:p14="http://schemas.microsoft.com/office/powerpoint/2010/main" val="3628158612"/>
       </p:ext>
     </p:extLst>
   </p:cSld>
